--- a/Sokoban - 2017.pptx
+++ b/Sokoban - 2017.pptx
@@ -9,9 +9,9 @@
     <p:sldId id="257" r:id="rId3"/>
     <p:sldId id="258" r:id="rId4"/>
     <p:sldId id="259" r:id="rId5"/>
-    <p:sldId id="261" r:id="rId6"/>
-    <p:sldId id="262" r:id="rId7"/>
-    <p:sldId id="263" r:id="rId8"/>
+    <p:sldId id="262" r:id="rId6"/>
+    <p:sldId id="263" r:id="rId7"/>
+    <p:sldId id="264" r:id="rId8"/>
   </p:sldIdLst>
   <p:sldSz cx="12192000" cy="6858000"/>
   <p:notesSz cx="6858000" cy="9144000"/>
@@ -348,7 +348,7 @@
             <a:fld id="{B61BEF0D-F0BB-DE4B-95CE-6DB70DBA9567}" type="datetimeFigureOut">
               <a:rPr lang="en-US" smtClean="0"/>
               <a:pPr/>
-              <a:t>11/26/2017</a:t>
+              <a:t>11/27/2017</a:t>
             </a:fld>
             <a:endParaRPr lang="en-US" dirty="0"/>
           </a:p>
@@ -684,7 +684,7 @@
             <a:fld id="{B61BEF0D-F0BB-DE4B-95CE-6DB70DBA9567}" type="datetimeFigureOut">
               <a:rPr lang="en-US" smtClean="0"/>
               <a:pPr/>
-              <a:t>11/26/2017</a:t>
+              <a:t>11/27/2017</a:t>
             </a:fld>
             <a:endParaRPr lang="en-US" dirty="0"/>
           </a:p>
@@ -964,7 +964,7 @@
             <a:fld id="{B61BEF0D-F0BB-DE4B-95CE-6DB70DBA9567}" type="datetimeFigureOut">
               <a:rPr lang="en-US" smtClean="0"/>
               <a:pPr/>
-              <a:t>11/26/2017</a:t>
+              <a:t>11/27/2017</a:t>
             </a:fld>
             <a:endParaRPr lang="en-US" dirty="0"/>
           </a:p>
@@ -1534,7 +1534,7 @@
             <a:fld id="{B61BEF0D-F0BB-DE4B-95CE-6DB70DBA9567}" type="datetimeFigureOut">
               <a:rPr lang="en-US" smtClean="0"/>
               <a:pPr/>
-              <a:t>11/26/2017</a:t>
+              <a:t>11/27/2017</a:t>
             </a:fld>
             <a:endParaRPr lang="en-US" dirty="0"/>
           </a:p>
@@ -1814,7 +1814,7 @@
             <a:fld id="{B61BEF0D-F0BB-DE4B-95CE-6DB70DBA9567}" type="datetimeFigureOut">
               <a:rPr lang="en-US" smtClean="0"/>
               <a:pPr/>
-              <a:t>11/26/2017</a:t>
+              <a:t>11/27/2017</a:t>
             </a:fld>
             <a:endParaRPr lang="en-US" dirty="0"/>
           </a:p>
@@ -2378,7 +2378,7 @@
             <a:fld id="{B61BEF0D-F0BB-DE4B-95CE-6DB70DBA9567}" type="datetimeFigureOut">
               <a:rPr lang="en-US" smtClean="0"/>
               <a:pPr/>
-              <a:t>11/26/2017</a:t>
+              <a:t>11/27/2017</a:t>
             </a:fld>
             <a:endParaRPr lang="en-US" dirty="0"/>
           </a:p>
@@ -2707,7 +2707,7 @@
             <a:fld id="{B61BEF0D-F0BB-DE4B-95CE-6DB70DBA9567}" type="datetimeFigureOut">
               <a:rPr lang="en-US" smtClean="0"/>
               <a:pPr/>
-              <a:t>11/26/2017</a:t>
+              <a:t>11/27/2017</a:t>
             </a:fld>
             <a:endParaRPr lang="en-US" dirty="0"/>
           </a:p>
@@ -2886,7 +2886,7 @@
             <a:fld id="{B61BEF0D-F0BB-DE4B-95CE-6DB70DBA9567}" type="datetimeFigureOut">
               <a:rPr lang="en-US" smtClean="0"/>
               <a:pPr/>
-              <a:t>11/26/2017</a:t>
+              <a:t>11/27/2017</a:t>
             </a:fld>
             <a:endParaRPr lang="en-US" dirty="0"/>
           </a:p>
@@ -3126,7 +3126,7 @@
             <a:fld id="{B61BEF0D-F0BB-DE4B-95CE-6DB70DBA9567}" type="datetimeFigureOut">
               <a:rPr lang="en-US" smtClean="0"/>
               <a:pPr/>
-              <a:t>11/26/2017</a:t>
+              <a:t>11/27/2017</a:t>
             </a:fld>
             <a:endParaRPr lang="en-US" dirty="0"/>
           </a:p>
@@ -3328,7 +3328,7 @@
             <a:fld id="{B61BEF0D-F0BB-DE4B-95CE-6DB70DBA9567}" type="datetimeFigureOut">
               <a:rPr lang="en-US" smtClean="0"/>
               <a:pPr/>
-              <a:t>11/26/2017</a:t>
+              <a:t>11/27/2017</a:t>
             </a:fld>
             <a:endParaRPr lang="en-US" dirty="0"/>
           </a:p>
@@ -3606,7 +3606,7 @@
             <a:fld id="{B61BEF0D-F0BB-DE4B-95CE-6DB70DBA9567}" type="datetimeFigureOut">
               <a:rPr lang="en-US" smtClean="0"/>
               <a:pPr/>
-              <a:t>11/26/2017</a:t>
+              <a:t>11/27/2017</a:t>
             </a:fld>
             <a:endParaRPr lang="en-US" dirty="0"/>
           </a:p>
@@ -3874,7 +3874,7 @@
             <a:fld id="{B61BEF0D-F0BB-DE4B-95CE-6DB70DBA9567}" type="datetimeFigureOut">
               <a:rPr lang="en-US" smtClean="0"/>
               <a:pPr/>
-              <a:t>11/26/2017</a:t>
+              <a:t>11/27/2017</a:t>
             </a:fld>
             <a:endParaRPr lang="en-US" dirty="0"/>
           </a:p>
@@ -4250,7 +4250,7 @@
             <a:fld id="{B61BEF0D-F0BB-DE4B-95CE-6DB70DBA9567}" type="datetimeFigureOut">
               <a:rPr lang="en-US" smtClean="0"/>
               <a:pPr/>
-              <a:t>11/26/2017</a:t>
+              <a:t>11/27/2017</a:t>
             </a:fld>
             <a:endParaRPr lang="en-US" dirty="0"/>
           </a:p>
@@ -4400,7 +4400,7 @@
             <a:fld id="{B61BEF0D-F0BB-DE4B-95CE-6DB70DBA9567}" type="datetimeFigureOut">
               <a:rPr lang="en-US" smtClean="0"/>
               <a:pPr/>
-              <a:t>11/26/2017</a:t>
+              <a:t>11/27/2017</a:t>
             </a:fld>
             <a:endParaRPr lang="en-US" dirty="0"/>
           </a:p>
@@ -4527,7 +4527,7 @@
             <a:fld id="{B61BEF0D-F0BB-DE4B-95CE-6DB70DBA9567}" type="datetimeFigureOut">
               <a:rPr lang="en-US" smtClean="0"/>
               <a:pPr/>
-              <a:t>11/26/2017</a:t>
+              <a:t>11/27/2017</a:t>
             </a:fld>
             <a:endParaRPr lang="en-US" dirty="0"/>
           </a:p>
@@ -4814,7 +4814,7 @@
             <a:fld id="{B61BEF0D-F0BB-DE4B-95CE-6DB70DBA9567}" type="datetimeFigureOut">
               <a:rPr lang="en-US" smtClean="0"/>
               <a:pPr/>
-              <a:t>11/26/2017</a:t>
+              <a:t>11/27/2017</a:t>
             </a:fld>
             <a:endParaRPr lang="en-US" dirty="0"/>
           </a:p>
@@ -5140,7 +5140,7 @@
             <a:fld id="{B61BEF0D-F0BB-DE4B-95CE-6DB70DBA9567}" type="datetimeFigureOut">
               <a:rPr lang="en-US" smtClean="0"/>
               <a:pPr/>
-              <a:t>11/26/2017</a:t>
+              <a:t>11/27/2017</a:t>
             </a:fld>
             <a:endParaRPr lang="en-US" dirty="0"/>
           </a:p>
@@ -5356,7 +5356,7 @@
             <a:fld id="{B61BEF0D-F0BB-DE4B-95CE-6DB70DBA9567}" type="datetimeFigureOut">
               <a:rPr lang="en-US" smtClean="0"/>
               <a:pPr/>
-              <a:t>11/26/2017</a:t>
+              <a:t>11/27/2017</a:t>
             </a:fld>
             <a:endParaRPr lang="en-US" dirty="0"/>
           </a:p>
@@ -6016,6 +6016,18 @@
   <p:clrMapOvr>
     <a:masterClrMapping/>
   </p:clrMapOvr>
+  <mc:AlternateContent xmlns:mc="http://schemas.openxmlformats.org/markup-compatibility/2006">
+    <mc:Choice xmlns:p14="http://schemas.microsoft.com/office/powerpoint/2010/main" Requires="p14">
+      <p:transition spd="slow" p14:dur="4000">
+        <p14:vortex dir="u"/>
+      </p:transition>
+    </mc:Choice>
+    <mc:Fallback>
+      <p:transition spd="slow">
+        <p:fade/>
+      </p:transition>
+    </mc:Fallback>
+  </mc:AlternateContent>
   <p:timing>
     <p:tnLst>
       <p:par>
@@ -6282,6 +6294,18 @@
   <p:clrMapOvr>
     <a:masterClrMapping/>
   </p:clrMapOvr>
+  <mc:AlternateContent xmlns:mc="http://schemas.openxmlformats.org/markup-compatibility/2006">
+    <mc:Choice xmlns:p14="http://schemas.microsoft.com/office/powerpoint/2010/main" Requires="p14">
+      <p:transition spd="slow" p14:dur="3900">
+        <p14:glitter dir="r"/>
+      </p:transition>
+    </mc:Choice>
+    <mc:Fallback>
+      <p:transition spd="slow">
+        <p:fade/>
+      </p:transition>
+    </mc:Fallback>
+  </mc:AlternateContent>
   <p:timing>
     <p:tnLst>
       <p:par>
@@ -6754,6 +6778,18 @@
   <p:clrMapOvr>
     <a:masterClrMapping/>
   </p:clrMapOvr>
+  <mc:AlternateContent xmlns:mc="http://schemas.openxmlformats.org/markup-compatibility/2006">
+    <mc:Choice xmlns:p14="http://schemas.microsoft.com/office/powerpoint/2010/main" Requires="p14">
+      <p:transition spd="slow" p14:dur="3900">
+        <p14:glitter/>
+      </p:transition>
+    </mc:Choice>
+    <mc:Fallback>
+      <p:transition spd="slow">
+        <p:fade/>
+      </p:transition>
+    </mc:Fallback>
+  </mc:AlternateContent>
   <p:timing>
     <p:tnLst>
       <p:par>
@@ -6976,6 +7012,18 @@
   <p:clrMapOvr>
     <a:masterClrMapping/>
   </p:clrMapOvr>
+  <mc:AlternateContent xmlns:mc="http://schemas.openxmlformats.org/markup-compatibility/2006">
+    <mc:Choice xmlns:p14="http://schemas.microsoft.com/office/powerpoint/2010/main" Requires="p14">
+      <p:transition spd="slow" p14:dur="3900">
+        <p14:glitter dir="r"/>
+      </p:transition>
+    </mc:Choice>
+    <mc:Fallback>
+      <p:transition spd="slow">
+        <p:fade/>
+      </p:transition>
+    </mc:Fallback>
+  </mc:AlternateContent>
   <p:timing>
     <p:tnLst>
       <p:par>
@@ -7027,7 +7075,7 @@
           <a:p>
             <a:pPr algn="ctr"/>
             <a:r>
-              <a:rPr lang="es-CO" sz="8800" b="1" cap="none" dirty="0" smtClean="0">
+              <a:rPr lang="es-CO" sz="9600" b="1" cap="none" dirty="0" smtClean="0">
                 <a:ln w="6600">
                   <a:solidFill>
                     <a:schemeClr val="accent2"/>
@@ -7046,7 +7094,7 @@
               </a:rPr>
               <a:t>Nivel y Jugador</a:t>
             </a:r>
-            <a:endParaRPr lang="es-CO" sz="8800" b="1" cap="none" dirty="0">
+            <a:endParaRPr lang="es-CO" sz="9600" b="1" cap="none" dirty="0">
               <a:ln w="6600">
                 <a:solidFill>
                   <a:schemeClr val="accent2"/>
@@ -7378,13 +7426,25 @@
     </p:spTree>
     <p:extLst>
       <p:ext uri="{BB962C8B-B14F-4D97-AF65-F5344CB8AC3E}">
-        <p14:creationId xmlns:p14="http://schemas.microsoft.com/office/powerpoint/2010/main" val="1001754819"/>
+        <p14:creationId xmlns:p14="http://schemas.microsoft.com/office/powerpoint/2010/main" val="3170018903"/>
       </p:ext>
     </p:extLst>
   </p:cSld>
   <p:clrMapOvr>
     <a:masterClrMapping/>
   </p:clrMapOvr>
+  <mc:AlternateContent xmlns:mc="http://schemas.openxmlformats.org/markup-compatibility/2006">
+    <mc:Choice xmlns:p14="http://schemas.microsoft.com/office/powerpoint/2010/main" Requires="p14">
+      <p:transition spd="slow" p14:dur="3900">
+        <p14:glitter/>
+      </p:transition>
+    </mc:Choice>
+    <mc:Fallback>
+      <p:transition spd="slow">
+        <p:fade/>
+      </p:transition>
+    </mc:Fallback>
+  </mc:AlternateContent>
   <p:timing>
     <p:tnLst>
       <p:par>
@@ -7424,8 +7484,8 @@
         </p:nvSpPr>
         <p:spPr>
           <a:xfrm>
-            <a:off x="2665925" y="609600"/>
-            <a:ext cx="8511910" cy="1456267"/>
+            <a:off x="846674" y="544643"/>
+            <a:ext cx="10363245" cy="1456267"/>
           </a:xfrm>
         </p:spPr>
         <p:txBody>
@@ -7436,7 +7496,7 @@
           <a:p>
             <a:pPr algn="ctr"/>
             <a:r>
-              <a:rPr lang="es-CO" sz="9600" b="1" cap="none" dirty="0" smtClean="0">
+              <a:rPr lang="es-CO" sz="11500" b="1" cap="none" dirty="0" smtClean="0">
                 <a:ln w="6600">
                   <a:solidFill>
                     <a:schemeClr val="accent2"/>
@@ -7453,9 +7513,9 @@
                 </a:effectLst>
                 <a:latin typeface="AR CENA" panose="02000000000000000000" pitchFamily="2" charset="0"/>
               </a:rPr>
-              <a:t>Nivel y Jugador</a:t>
-            </a:r>
-            <a:endParaRPr lang="es-CO" sz="9600" b="1" cap="none" dirty="0">
+              <a:t>Menús</a:t>
+            </a:r>
+            <a:endParaRPr lang="es-CO" sz="11500" b="1" cap="none" dirty="0">
               <a:ln w="6600">
                 <a:solidFill>
                   <a:schemeClr val="accent2"/>
@@ -7487,7 +7547,7 @@
         </p:nvSpPr>
         <p:spPr>
           <a:xfrm>
-            <a:off x="6182503" y="2373887"/>
+            <a:off x="6214587" y="2394642"/>
             <a:ext cx="4995332" cy="3649133"/>
           </a:xfrm>
         </p:spPr>
@@ -7501,7 +7561,7 @@
               <a:buNone/>
             </a:pPr>
             <a:r>
-              <a:rPr lang="es-CO" sz="4000" dirty="0" smtClean="0">
+              <a:rPr lang="es-CO" sz="3600" dirty="0" smtClean="0">
                 <a:effectLst>
                   <a:outerShdw blurRad="38100" dist="38100" dir="2700000" algn="tl">
                     <a:srgbClr val="000000">
@@ -7513,10 +7573,10 @@
                 <a:ea typeface="Verdana" panose="020B0604030504040204" pitchFamily="34" charset="0"/>
                 <a:cs typeface="Verdana" panose="020B0604030504040204" pitchFamily="34" charset="0"/>
               </a:rPr>
-              <a:t>Los </a:t>
-            </a:r>
-            <a:r>
-              <a:rPr lang="es-CO" sz="4000" dirty="0" smtClean="0">
+              <a:t>La </a:t>
+            </a:r>
+            <a:r>
+              <a:rPr lang="es-CO" sz="3600" dirty="0" smtClean="0">
                 <a:solidFill>
                   <a:srgbClr val="FF99FF"/>
                 </a:solidFill>
@@ -7531,10 +7591,10 @@
                 <a:ea typeface="Verdana" panose="020B0604030504040204" pitchFamily="34" charset="0"/>
                 <a:cs typeface="Verdana" panose="020B0604030504040204" pitchFamily="34" charset="0"/>
               </a:rPr>
-              <a:t>niveles</a:t>
-            </a:r>
-            <a:r>
-              <a:rPr lang="es-CO" sz="4000" dirty="0" smtClean="0">
+              <a:t>interfaz</a:t>
+            </a:r>
+            <a:r>
+              <a:rPr lang="es-CO" sz="3600" dirty="0" smtClean="0">
                 <a:effectLst>
                   <a:outerShdw blurRad="38100" dist="38100" dir="2700000" algn="tl">
                     <a:srgbClr val="000000">
@@ -7546,10 +7606,10 @@
                 <a:ea typeface="Verdana" panose="020B0604030504040204" pitchFamily="34" charset="0"/>
                 <a:cs typeface="Verdana" panose="020B0604030504040204" pitchFamily="34" charset="0"/>
               </a:rPr>
-              <a:t>  y el </a:t>
-            </a:r>
-            <a:r>
-              <a:rPr lang="es-CO" sz="4000" dirty="0" smtClean="0">
+              <a:t> </a:t>
+            </a:r>
+            <a:r>
+              <a:rPr lang="es-CO" sz="3600" dirty="0" smtClean="0">
                 <a:solidFill>
                   <a:srgbClr val="FF99FF"/>
                 </a:solidFill>
@@ -7564,10 +7624,10 @@
                 <a:ea typeface="Verdana" panose="020B0604030504040204" pitchFamily="34" charset="0"/>
                 <a:cs typeface="Verdana" panose="020B0604030504040204" pitchFamily="34" charset="0"/>
               </a:rPr>
-              <a:t>jugador</a:t>
-            </a:r>
-            <a:r>
-              <a:rPr lang="es-CO" sz="4000" dirty="0" smtClean="0">
+              <a:t>gráfica</a:t>
+            </a:r>
+            <a:r>
+              <a:rPr lang="es-CO" sz="3600" dirty="0" smtClean="0">
                 <a:effectLst>
                   <a:outerShdw blurRad="38100" dist="38100" dir="2700000" algn="tl">
                     <a:srgbClr val="000000">
@@ -7579,10 +7639,10 @@
                 <a:ea typeface="Verdana" panose="020B0604030504040204" pitchFamily="34" charset="0"/>
                 <a:cs typeface="Verdana" panose="020B0604030504040204" pitchFamily="34" charset="0"/>
               </a:rPr>
-              <a:t> se dibujan en base a información de archivos </a:t>
-            </a:r>
-            <a:r>
-              <a:rPr lang="es-CO" sz="4000" dirty="0" smtClean="0">
+              <a:t> funciona con texto, imágenes en pantalla y métodos que determinan si el </a:t>
+            </a:r>
+            <a:r>
+              <a:rPr lang="es-CO" sz="3600" dirty="0" smtClean="0">
                 <a:solidFill>
                   <a:srgbClr val="FF99FF"/>
                 </a:solidFill>
@@ -7597,15 +7657,10 @@
                 <a:ea typeface="Verdana" panose="020B0604030504040204" pitchFamily="34" charset="0"/>
                 <a:cs typeface="Verdana" panose="020B0604030504040204" pitchFamily="34" charset="0"/>
               </a:rPr>
-              <a:t>.csv</a:t>
-            </a:r>
-          </a:p>
-          <a:p>
-            <a:pPr marL="0" indent="0" algn="ctr">
-              <a:buNone/>
-            </a:pPr>
-            <a:r>
-              <a:rPr lang="es-CO" sz="4000" dirty="0" smtClean="0">
+              <a:t>click del mouse</a:t>
+            </a:r>
+            <a:r>
+              <a:rPr lang="es-CO" sz="3600" dirty="0" smtClean="0">
                 <a:effectLst>
                   <a:outerShdw blurRad="38100" dist="38100" dir="2700000" algn="tl">
                     <a:srgbClr val="000000">
@@ -7617,10 +7672,10 @@
                 <a:ea typeface="Verdana" panose="020B0604030504040204" pitchFamily="34" charset="0"/>
                 <a:cs typeface="Verdana" panose="020B0604030504040204" pitchFamily="34" charset="0"/>
               </a:rPr>
-              <a:t>Para el movimiento, se </a:t>
-            </a:r>
-            <a:r>
-              <a:rPr lang="es-CO" sz="4000" dirty="0" smtClean="0">
+              <a:t> está dentro de cierta área para realizar la acción de los </a:t>
+            </a:r>
+            <a:r>
+              <a:rPr lang="es-CO" sz="3600" dirty="0" smtClean="0">
                 <a:solidFill>
                   <a:srgbClr val="FF99FF"/>
                 </a:solidFill>
@@ -7635,10 +7690,10 @@
                 <a:ea typeface="Verdana" panose="020B0604030504040204" pitchFamily="34" charset="0"/>
                 <a:cs typeface="Verdana" panose="020B0604030504040204" pitchFamily="34" charset="0"/>
               </a:rPr>
-              <a:t>modifican</a:t>
-            </a:r>
-            <a:r>
-              <a:rPr lang="es-CO" sz="4000" dirty="0" smtClean="0">
+              <a:t>botones</a:t>
+            </a:r>
+            <a:r>
+              <a:rPr lang="es-CO" sz="3600" dirty="0" smtClean="0">
                 <a:effectLst>
                   <a:outerShdw blurRad="38100" dist="38100" dir="2700000" algn="tl">
                     <a:srgbClr val="000000">
@@ -7650,15 +7705,15 @@
                 <a:ea typeface="Verdana" panose="020B0604030504040204" pitchFamily="34" charset="0"/>
                 <a:cs typeface="Verdana" panose="020B0604030504040204" pitchFamily="34" charset="0"/>
               </a:rPr>
-              <a:t> estos valores.</a:t>
-            </a:r>
-            <a:endParaRPr lang="es-CO" sz="4000" dirty="0"/>
+              <a:t>.</a:t>
+            </a:r>
+            <a:endParaRPr lang="es-CO" sz="3600" dirty="0"/>
           </a:p>
         </p:txBody>
       </p:sp>
       <p:pic>
         <p:nvPicPr>
-          <p:cNvPr id="5" name="Marcador de contenido 4"/>
+          <p:cNvPr id="7" name="Marcador de contenido 6"/>
           <p:cNvPicPr>
             <a:picLocks noGrp="1" noChangeAspect="1"/>
           </p:cNvPicPr>
@@ -7680,8 +7735,8 @@
         </p:blipFill>
         <p:spPr>
           <a:xfrm>
-            <a:off x="2665925" y="3409927"/>
-            <a:ext cx="2807595" cy="2807595"/>
+            <a:off x="784065" y="2566496"/>
+            <a:ext cx="4641298" cy="3305426"/>
           </a:xfrm>
           <a:effectLst>
             <a:glow rad="228600">
@@ -7693,79 +7748,40 @@
           </a:effectLst>
         </p:spPr>
       </p:pic>
-      <p:pic>
-        <p:nvPicPr>
-          <p:cNvPr id="6" name="Imagen 5"/>
-          <p:cNvPicPr>
-            <a:picLocks noChangeAspect="1"/>
-          </p:cNvPicPr>
+      <p:sp>
+        <p:nvSpPr>
+          <p:cNvPr id="10" name="Rectángulo 9"/>
+          <p:cNvSpPr/>
           <p:nvPr/>
-        </p:nvPicPr>
-        <p:blipFill>
-          <a:blip r:embed="rId3">
-            <a:extLst>
-              <a:ext uri="{28A0092B-C50C-407E-A947-70E740481C1C}">
-                <a14:useLocalDpi xmlns:a14="http://schemas.microsoft.com/office/drawing/2010/main" val="0"/>
-              </a:ext>
-            </a:extLst>
-          </a:blip>
-          <a:stretch>
-            <a:fillRect/>
-          </a:stretch>
-        </p:blipFill>
+        </p:nvSpPr>
         <p:spPr>
           <a:xfrm>
-            <a:off x="814590" y="1337733"/>
-            <a:ext cx="1709669" cy="1815059"/>
+            <a:off x="784063" y="2560631"/>
+            <a:ext cx="4641300" cy="701730"/>
           </a:xfrm>
           <a:prstGeom prst="rect">
             <a:avLst/>
           </a:prstGeom>
-          <a:effectLst>
-            <a:glow rad="228600">
-              <a:schemeClr val="accent2">
-                <a:satMod val="175000"/>
-                <a:alpha val="40000"/>
-              </a:schemeClr>
-            </a:glow>
-          </a:effectLst>
-        </p:spPr>
-      </p:pic>
-      <p:sp>
-        <p:nvSpPr>
-          <p:cNvPr id="8" name="Flecha doblada 7"/>
-          <p:cNvSpPr/>
-          <p:nvPr/>
-        </p:nvSpPr>
-        <p:spPr>
-          <a:xfrm flipV="1">
-            <a:off x="1197734" y="3358162"/>
-            <a:ext cx="1242208" cy="1947932"/>
-          </a:xfrm>
-          <a:prstGeom prst="bentArrow">
-            <a:avLst>
-              <a:gd name="adj1" fmla="val 36937"/>
-              <a:gd name="adj2" fmla="val 43855"/>
-              <a:gd name="adj3" fmla="val 41594"/>
-              <a:gd name="adj4" fmla="val 43750"/>
-            </a:avLst>
-          </a:prstGeom>
           <a:solidFill>
-            <a:schemeClr val="accent2">
-              <a:lumMod val="40000"/>
-              <a:lumOff val="60000"/>
+            <a:srgbClr val="00FFFF">
+              <a:alpha val="20000"/>
+            </a:srgbClr>
+          </a:solidFill>
+          <a:ln>
+            <a:noFill/>
+          </a:ln>
+        </p:spPr>
+        <p:style>
+          <a:lnRef idx="2">
+            <a:schemeClr val="accent1">
+              <a:shade val="50000"/>
             </a:schemeClr>
-          </a:solidFill>
-        </p:spPr>
-        <p:style>
-          <a:lnRef idx="1">
-            <a:schemeClr val="accent2"/>
           </a:lnRef>
-          <a:fillRef idx="3">
-            <a:schemeClr val="accent2"/>
+          <a:fillRef idx="1">
+            <a:schemeClr val="accent1"/>
           </a:fillRef>
-          <a:effectRef idx="2">
-            <a:schemeClr val="accent2"/>
+          <a:effectRef idx="0">
+            <a:schemeClr val="accent1"/>
           </a:effectRef>
           <a:fontRef idx="minor">
             <a:schemeClr val="lt1"/>
@@ -7776,24 +7792,176 @@
           <a:lstStyle/>
           <a:p>
             <a:pPr algn="ctr"/>
-            <a:endParaRPr lang="es-CO">
-              <a:solidFill>
-                <a:schemeClr val="tx1"/>
-              </a:solidFill>
-            </a:endParaRPr>
+            <a:endParaRPr lang="es-CO"/>
+          </a:p>
+        </p:txBody>
+      </p:sp>
+      <p:sp>
+        <p:nvSpPr>
+          <p:cNvPr id="11" name="Rectángulo 10"/>
+          <p:cNvSpPr/>
+          <p:nvPr/>
+        </p:nvSpPr>
+        <p:spPr>
+          <a:xfrm>
+            <a:off x="784063" y="3412488"/>
+            <a:ext cx="4641302" cy="706692"/>
+          </a:xfrm>
+          <a:prstGeom prst="rect">
+            <a:avLst/>
+          </a:prstGeom>
+          <a:solidFill>
+            <a:srgbClr val="FF0000">
+              <a:alpha val="20000"/>
+            </a:srgbClr>
+          </a:solidFill>
+          <a:ln>
+            <a:noFill/>
+          </a:ln>
+        </p:spPr>
+        <p:style>
+          <a:lnRef idx="2">
+            <a:schemeClr val="accent1">
+              <a:shade val="50000"/>
+            </a:schemeClr>
+          </a:lnRef>
+          <a:fillRef idx="1">
+            <a:schemeClr val="accent1"/>
+          </a:fillRef>
+          <a:effectRef idx="0">
+            <a:schemeClr val="accent1"/>
+          </a:effectRef>
+          <a:fontRef idx="minor">
+            <a:schemeClr val="lt1"/>
+          </a:fontRef>
+        </p:style>
+        <p:txBody>
+          <a:bodyPr rtlCol="0" anchor="ctr"/>
+          <a:lstStyle/>
+          <a:p>
+            <a:pPr algn="ctr"/>
+            <a:endParaRPr lang="es-CO"/>
+          </a:p>
+        </p:txBody>
+      </p:sp>
+      <p:sp>
+        <p:nvSpPr>
+          <p:cNvPr id="12" name="Rectángulo 11"/>
+          <p:cNvSpPr/>
+          <p:nvPr/>
+        </p:nvSpPr>
+        <p:spPr>
+          <a:xfrm>
+            <a:off x="784063" y="4262587"/>
+            <a:ext cx="4641302" cy="706692"/>
+          </a:xfrm>
+          <a:prstGeom prst="rect">
+            <a:avLst/>
+          </a:prstGeom>
+          <a:solidFill>
+            <a:srgbClr val="FF99FF">
+              <a:alpha val="20000"/>
+            </a:srgbClr>
+          </a:solidFill>
+          <a:ln>
+            <a:noFill/>
+          </a:ln>
+        </p:spPr>
+        <p:style>
+          <a:lnRef idx="2">
+            <a:schemeClr val="accent1">
+              <a:shade val="50000"/>
+            </a:schemeClr>
+          </a:lnRef>
+          <a:fillRef idx="1">
+            <a:schemeClr val="accent1"/>
+          </a:fillRef>
+          <a:effectRef idx="0">
+            <a:schemeClr val="accent1"/>
+          </a:effectRef>
+          <a:fontRef idx="minor">
+            <a:schemeClr val="lt1"/>
+          </a:fontRef>
+        </p:style>
+        <p:txBody>
+          <a:bodyPr rtlCol="0" anchor="ctr"/>
+          <a:lstStyle/>
+          <a:p>
+            <a:pPr algn="ctr"/>
+            <a:endParaRPr lang="es-CO"/>
+          </a:p>
+        </p:txBody>
+      </p:sp>
+      <p:sp>
+        <p:nvSpPr>
+          <p:cNvPr id="13" name="Rectángulo 12"/>
+          <p:cNvSpPr/>
+          <p:nvPr/>
+        </p:nvSpPr>
+        <p:spPr>
+          <a:xfrm>
+            <a:off x="784061" y="5165230"/>
+            <a:ext cx="4641302" cy="706692"/>
+          </a:xfrm>
+          <a:prstGeom prst="rect">
+            <a:avLst/>
+          </a:prstGeom>
+          <a:solidFill>
+            <a:schemeClr val="accent4">
+              <a:alpha val="20000"/>
+            </a:schemeClr>
+          </a:solidFill>
+          <a:ln>
+            <a:noFill/>
+          </a:ln>
+        </p:spPr>
+        <p:style>
+          <a:lnRef idx="2">
+            <a:schemeClr val="accent1">
+              <a:shade val="50000"/>
+            </a:schemeClr>
+          </a:lnRef>
+          <a:fillRef idx="1">
+            <a:schemeClr val="accent1"/>
+          </a:fillRef>
+          <a:effectRef idx="0">
+            <a:schemeClr val="accent1"/>
+          </a:effectRef>
+          <a:fontRef idx="minor">
+            <a:schemeClr val="lt1"/>
+          </a:fontRef>
+        </p:style>
+        <p:txBody>
+          <a:bodyPr rtlCol="0" anchor="ctr"/>
+          <a:lstStyle/>
+          <a:p>
+            <a:pPr algn="ctr"/>
+            <a:endParaRPr lang="es-CO"/>
           </a:p>
         </p:txBody>
       </p:sp>
     </p:spTree>
     <p:extLst>
       <p:ext uri="{BB962C8B-B14F-4D97-AF65-F5344CB8AC3E}">
-        <p14:creationId xmlns:p14="http://schemas.microsoft.com/office/powerpoint/2010/main" val="3170018903"/>
+        <p14:creationId xmlns:p14="http://schemas.microsoft.com/office/powerpoint/2010/main" val="928856669"/>
       </p:ext>
     </p:extLst>
   </p:cSld>
   <p:clrMapOvr>
     <a:masterClrMapping/>
   </p:clrMapOvr>
+  <mc:AlternateContent xmlns:mc="http://schemas.openxmlformats.org/markup-compatibility/2006">
+    <mc:Choice xmlns:p14="http://schemas.microsoft.com/office/powerpoint/2010/main" Requires="p14">
+      <p:transition spd="slow" p14:dur="3900">
+        <p14:glitter dir="r"/>
+      </p:transition>
+    </mc:Choice>
+    <mc:Fallback>
+      <p:transition spd="slow">
+        <p:fade/>
+      </p:transition>
+    </mc:Fallback>
+  </mc:AlternateContent>
   <p:timing>
     <p:tnLst>
       <p:par>
@@ -7833,7 +8001,7 @@
         </p:nvSpPr>
         <p:spPr>
           <a:xfrm>
-            <a:off x="846674" y="544643"/>
+            <a:off x="846674" y="428732"/>
             <a:ext cx="10363245" cy="1456267"/>
           </a:xfrm>
         </p:spPr>
@@ -7862,7 +8030,7 @@
                 </a:effectLst>
                 <a:latin typeface="AR CENA" panose="02000000000000000000" pitchFamily="2" charset="0"/>
               </a:rPr>
-              <a:t>Menús</a:t>
+              <a:t>Creador</a:t>
             </a:r>
             <a:endParaRPr lang="es-CO" sz="11500" b="1" cap="none" dirty="0">
               <a:ln w="6600">
@@ -7922,7 +8090,7 @@
                 <a:ea typeface="Verdana" panose="020B0604030504040204" pitchFamily="34" charset="0"/>
                 <a:cs typeface="Verdana" panose="020B0604030504040204" pitchFamily="34" charset="0"/>
               </a:rPr>
-              <a:t>La </a:t>
+              <a:t>El creador funciona modificando un archivo </a:t>
             </a:r>
             <a:r>
               <a:rPr lang="es-CO" sz="3600" dirty="0" smtClean="0">
@@ -7940,7 +8108,43 @@
                 <a:ea typeface="Verdana" panose="020B0604030504040204" pitchFamily="34" charset="0"/>
                 <a:cs typeface="Verdana" panose="020B0604030504040204" pitchFamily="34" charset="0"/>
               </a:rPr>
-              <a:t>interfaz</a:t>
+              <a:t>.</a:t>
+            </a:r>
+            <a:r>
+              <a:rPr lang="es-CO" sz="3600" dirty="0" err="1" smtClean="0">
+                <a:solidFill>
+                  <a:srgbClr val="FF99FF"/>
+                </a:solidFill>
+                <a:effectLst>
+                  <a:outerShdw blurRad="38100" dist="38100" dir="2700000" algn="tl">
+                    <a:srgbClr val="000000">
+                      <a:alpha val="43137"/>
+                    </a:srgbClr>
+                  </a:outerShdw>
+                </a:effectLst>
+                <a:latin typeface="AR CENA" panose="02000000000000000000" pitchFamily="2" charset="0"/>
+                <a:ea typeface="Verdana" panose="020B0604030504040204" pitchFamily="34" charset="0"/>
+                <a:cs typeface="Verdana" panose="020B0604030504040204" pitchFamily="34" charset="0"/>
+              </a:rPr>
+              <a:t>csv</a:t>
+            </a:r>
+            <a:r>
+              <a:rPr lang="es-CO" sz="3600" dirty="0" smtClean="0">
+                <a:solidFill>
+                  <a:srgbClr val="FF99FF"/>
+                </a:solidFill>
+                <a:effectLst>
+                  <a:outerShdw blurRad="38100" dist="38100" dir="2700000" algn="tl">
+                    <a:srgbClr val="000000">
+                      <a:alpha val="43137"/>
+                    </a:srgbClr>
+                  </a:outerShdw>
+                </a:effectLst>
+                <a:latin typeface="AR CENA" panose="02000000000000000000" pitchFamily="2" charset="0"/>
+                <a:ea typeface="Verdana" panose="020B0604030504040204" pitchFamily="34" charset="0"/>
+                <a:cs typeface="Verdana" panose="020B0604030504040204" pitchFamily="34" charset="0"/>
+              </a:rPr>
+              <a:t> en tiempo real</a:t>
             </a:r>
             <a:r>
               <a:rPr lang="es-CO" sz="3600" dirty="0" smtClean="0">
@@ -7955,7 +8159,7 @@
                 <a:ea typeface="Verdana" panose="020B0604030504040204" pitchFamily="34" charset="0"/>
                 <a:cs typeface="Verdana" panose="020B0604030504040204" pitchFamily="34" charset="0"/>
               </a:rPr>
-              <a:t> </a:t>
+              <a:t> por medio de </a:t>
             </a:r>
             <a:r>
               <a:rPr lang="es-CO" sz="3600" dirty="0" smtClean="0">
@@ -7973,7 +8177,7 @@
                 <a:ea typeface="Verdana" panose="020B0604030504040204" pitchFamily="34" charset="0"/>
                 <a:cs typeface="Verdana" panose="020B0604030504040204" pitchFamily="34" charset="0"/>
               </a:rPr>
-              <a:t>gráfica</a:t>
+              <a:t>botones</a:t>
             </a:r>
             <a:r>
               <a:rPr lang="es-CO" sz="3600" dirty="0" smtClean="0">
@@ -7988,7 +8192,7 @@
                 <a:ea typeface="Verdana" panose="020B0604030504040204" pitchFamily="34" charset="0"/>
                 <a:cs typeface="Verdana" panose="020B0604030504040204" pitchFamily="34" charset="0"/>
               </a:rPr>
-              <a:t> funciona con texto, imágenes en pantalla y métodos que determinan si el </a:t>
+              <a:t> interactivos que se presentan </a:t>
             </a:r>
             <a:r>
               <a:rPr lang="es-CO" sz="3600" dirty="0" smtClean="0">
@@ -8006,7 +8210,7 @@
                 <a:ea typeface="Verdana" panose="020B0604030504040204" pitchFamily="34" charset="0"/>
                 <a:cs typeface="Verdana" panose="020B0604030504040204" pitchFamily="34" charset="0"/>
               </a:rPr>
-              <a:t>click del mouse</a:t>
+              <a:t>en pantalla </a:t>
             </a:r>
             <a:r>
               <a:rPr lang="es-CO" sz="3600" dirty="0" smtClean="0">
@@ -8021,40 +8225,7 @@
                 <a:ea typeface="Verdana" panose="020B0604030504040204" pitchFamily="34" charset="0"/>
                 <a:cs typeface="Verdana" panose="020B0604030504040204" pitchFamily="34" charset="0"/>
               </a:rPr>
-              <a:t> está dentro de cierta área para realizar la acción de los </a:t>
-            </a:r>
-            <a:r>
-              <a:rPr lang="es-CO" sz="3600" dirty="0" smtClean="0">
-                <a:solidFill>
-                  <a:srgbClr val="FF99FF"/>
-                </a:solidFill>
-                <a:effectLst>
-                  <a:outerShdw blurRad="38100" dist="38100" dir="2700000" algn="tl">
-                    <a:srgbClr val="000000">
-                      <a:alpha val="43137"/>
-                    </a:srgbClr>
-                  </a:outerShdw>
-                </a:effectLst>
-                <a:latin typeface="AR CENA" panose="02000000000000000000" pitchFamily="2" charset="0"/>
-                <a:ea typeface="Verdana" panose="020B0604030504040204" pitchFamily="34" charset="0"/>
-                <a:cs typeface="Verdana" panose="020B0604030504040204" pitchFamily="34" charset="0"/>
-              </a:rPr>
-              <a:t>botones</a:t>
-            </a:r>
-            <a:r>
-              <a:rPr lang="es-CO" sz="3600" dirty="0" smtClean="0">
-                <a:effectLst>
-                  <a:outerShdw blurRad="38100" dist="38100" dir="2700000" algn="tl">
-                    <a:srgbClr val="000000">
-                      <a:alpha val="43137"/>
-                    </a:srgbClr>
-                  </a:outerShdw>
-                </a:effectLst>
-                <a:latin typeface="AR CENA" panose="02000000000000000000" pitchFamily="2" charset="0"/>
-                <a:ea typeface="Verdana" panose="020B0604030504040204" pitchFamily="34" charset="0"/>
-                <a:cs typeface="Verdana" panose="020B0604030504040204" pitchFamily="34" charset="0"/>
-              </a:rPr>
-              <a:t>.</a:t>
+              <a:t>para facilitar la manipulación por parte del usuario.</a:t>
             </a:r>
             <a:endParaRPr lang="es-CO" sz="3600" dirty="0"/>
           </a:p>
@@ -8062,7 +8233,7 @@
       </p:sp>
       <p:pic>
         <p:nvPicPr>
-          <p:cNvPr id="7" name="Marcador de contenido 6"/>
+          <p:cNvPr id="6" name="Marcador de contenido 5"/>
           <p:cNvPicPr>
             <a:picLocks noGrp="1" noChangeAspect="1"/>
           </p:cNvPicPr>
@@ -8084,8 +8255,8 @@
         </p:blipFill>
         <p:spPr>
           <a:xfrm>
-            <a:off x="784065" y="2566496"/>
-            <a:ext cx="4641298" cy="3305426"/>
+            <a:off x="1476965" y="2167296"/>
+            <a:ext cx="3505995" cy="4156231"/>
           </a:xfrm>
           <a:effectLst>
             <a:glow rad="228600">
@@ -8097,208 +8268,28 @@
           </a:effectLst>
         </p:spPr>
       </p:pic>
-      <p:sp>
-        <p:nvSpPr>
-          <p:cNvPr id="10" name="Rectángulo 9"/>
-          <p:cNvSpPr/>
-          <p:nvPr/>
-        </p:nvSpPr>
-        <p:spPr>
-          <a:xfrm>
-            <a:off x="784063" y="2560631"/>
-            <a:ext cx="4641300" cy="701730"/>
-          </a:xfrm>
-          <a:prstGeom prst="rect">
-            <a:avLst/>
-          </a:prstGeom>
-          <a:solidFill>
-            <a:srgbClr val="00FFFF">
-              <a:alpha val="20000"/>
-            </a:srgbClr>
-          </a:solidFill>
-          <a:ln>
-            <a:noFill/>
-          </a:ln>
-        </p:spPr>
-        <p:style>
-          <a:lnRef idx="2">
-            <a:schemeClr val="accent1">
-              <a:shade val="50000"/>
-            </a:schemeClr>
-          </a:lnRef>
-          <a:fillRef idx="1">
-            <a:schemeClr val="accent1"/>
-          </a:fillRef>
-          <a:effectRef idx="0">
-            <a:schemeClr val="accent1"/>
-          </a:effectRef>
-          <a:fontRef idx="minor">
-            <a:schemeClr val="lt1"/>
-          </a:fontRef>
-        </p:style>
-        <p:txBody>
-          <a:bodyPr rtlCol="0" anchor="ctr"/>
-          <a:lstStyle/>
-          <a:p>
-            <a:pPr algn="ctr"/>
-            <a:endParaRPr lang="es-CO"/>
-          </a:p>
-        </p:txBody>
-      </p:sp>
-      <p:sp>
-        <p:nvSpPr>
-          <p:cNvPr id="11" name="Rectángulo 10"/>
-          <p:cNvSpPr/>
-          <p:nvPr/>
-        </p:nvSpPr>
-        <p:spPr>
-          <a:xfrm>
-            <a:off x="784063" y="3412488"/>
-            <a:ext cx="4641302" cy="706692"/>
-          </a:xfrm>
-          <a:prstGeom prst="rect">
-            <a:avLst/>
-          </a:prstGeom>
-          <a:solidFill>
-            <a:srgbClr val="FF0000">
-              <a:alpha val="20000"/>
-            </a:srgbClr>
-          </a:solidFill>
-          <a:ln>
-            <a:noFill/>
-          </a:ln>
-        </p:spPr>
-        <p:style>
-          <a:lnRef idx="2">
-            <a:schemeClr val="accent1">
-              <a:shade val="50000"/>
-            </a:schemeClr>
-          </a:lnRef>
-          <a:fillRef idx="1">
-            <a:schemeClr val="accent1"/>
-          </a:fillRef>
-          <a:effectRef idx="0">
-            <a:schemeClr val="accent1"/>
-          </a:effectRef>
-          <a:fontRef idx="minor">
-            <a:schemeClr val="lt1"/>
-          </a:fontRef>
-        </p:style>
-        <p:txBody>
-          <a:bodyPr rtlCol="0" anchor="ctr"/>
-          <a:lstStyle/>
-          <a:p>
-            <a:pPr algn="ctr"/>
-            <a:endParaRPr lang="es-CO"/>
-          </a:p>
-        </p:txBody>
-      </p:sp>
-      <p:sp>
-        <p:nvSpPr>
-          <p:cNvPr id="12" name="Rectángulo 11"/>
-          <p:cNvSpPr/>
-          <p:nvPr/>
-        </p:nvSpPr>
-        <p:spPr>
-          <a:xfrm>
-            <a:off x="784063" y="4262587"/>
-            <a:ext cx="4641302" cy="706692"/>
-          </a:xfrm>
-          <a:prstGeom prst="rect">
-            <a:avLst/>
-          </a:prstGeom>
-          <a:solidFill>
-            <a:srgbClr val="FF99FF">
-              <a:alpha val="20000"/>
-            </a:srgbClr>
-          </a:solidFill>
-          <a:ln>
-            <a:noFill/>
-          </a:ln>
-        </p:spPr>
-        <p:style>
-          <a:lnRef idx="2">
-            <a:schemeClr val="accent1">
-              <a:shade val="50000"/>
-            </a:schemeClr>
-          </a:lnRef>
-          <a:fillRef idx="1">
-            <a:schemeClr val="accent1"/>
-          </a:fillRef>
-          <a:effectRef idx="0">
-            <a:schemeClr val="accent1"/>
-          </a:effectRef>
-          <a:fontRef idx="minor">
-            <a:schemeClr val="lt1"/>
-          </a:fontRef>
-        </p:style>
-        <p:txBody>
-          <a:bodyPr rtlCol="0" anchor="ctr"/>
-          <a:lstStyle/>
-          <a:p>
-            <a:pPr algn="ctr"/>
-            <a:endParaRPr lang="es-CO"/>
-          </a:p>
-        </p:txBody>
-      </p:sp>
-      <p:sp>
-        <p:nvSpPr>
-          <p:cNvPr id="13" name="Rectángulo 12"/>
-          <p:cNvSpPr/>
-          <p:nvPr/>
-        </p:nvSpPr>
-        <p:spPr>
-          <a:xfrm>
-            <a:off x="784061" y="5165230"/>
-            <a:ext cx="4641302" cy="706692"/>
-          </a:xfrm>
-          <a:prstGeom prst="rect">
-            <a:avLst/>
-          </a:prstGeom>
-          <a:solidFill>
-            <a:schemeClr val="accent4">
-              <a:alpha val="20000"/>
-            </a:schemeClr>
-          </a:solidFill>
-          <a:ln>
-            <a:noFill/>
-          </a:ln>
-        </p:spPr>
-        <p:style>
-          <a:lnRef idx="2">
-            <a:schemeClr val="accent1">
-              <a:shade val="50000"/>
-            </a:schemeClr>
-          </a:lnRef>
-          <a:fillRef idx="1">
-            <a:schemeClr val="accent1"/>
-          </a:fillRef>
-          <a:effectRef idx="0">
-            <a:schemeClr val="accent1"/>
-          </a:effectRef>
-          <a:fontRef idx="minor">
-            <a:schemeClr val="lt1"/>
-          </a:fontRef>
-        </p:style>
-        <p:txBody>
-          <a:bodyPr rtlCol="0" anchor="ctr"/>
-          <a:lstStyle/>
-          <a:p>
-            <a:pPr algn="ctr"/>
-            <a:endParaRPr lang="es-CO"/>
-          </a:p>
-        </p:txBody>
-      </p:sp>
     </p:spTree>
     <p:extLst>
       <p:ext uri="{BB962C8B-B14F-4D97-AF65-F5344CB8AC3E}">
-        <p14:creationId xmlns:p14="http://schemas.microsoft.com/office/powerpoint/2010/main" val="928856669"/>
+        <p14:creationId xmlns:p14="http://schemas.microsoft.com/office/powerpoint/2010/main" val="1451093988"/>
       </p:ext>
     </p:extLst>
   </p:cSld>
   <p:clrMapOvr>
     <a:masterClrMapping/>
   </p:clrMapOvr>
+  <mc:AlternateContent xmlns:mc="http://schemas.openxmlformats.org/markup-compatibility/2006">
+    <mc:Choice xmlns:p14="http://schemas.microsoft.com/office/powerpoint/2010/main" Requires="p14">
+      <p:transition spd="slow" p14:dur="3900">
+        <p14:glitter/>
+      </p:transition>
+    </mc:Choice>
+    <mc:Fallback>
+      <p:transition spd="slow">
+        <p:fade/>
+      </p:transition>
+    </mc:Fallback>
+  </mc:AlternateContent>
   <p:timing>
     <p:tnLst>
       <p:par>
